--- a/lecture/slides/CS370-Lec02-AgentsAndEnvironments.pptx
+++ b/lecture/slides/CS370-Lec02-AgentsAndEnvironments.pptx
@@ -16249,7 +16249,7 @@
             </a:pPr>
             <a:r>
               <a:rPr lang="en-US"/>
-              <a:t>Announcements</a:t>
+              <a:t>CS 370: Announcements</a:t>
             </a:r>
             <a:endParaRPr/>
           </a:p>
@@ -29812,7 +29812,7 @@
             <a:tbl>
               <a:tblPr bandRow="1" firstRow="1">
                 <a:noFill/>
-                <a:tableStyleId>{2D9ED7B8-1553-42D8-BA08-5A00A80777AB}</a:tableStyleId>
+                <a:tableStyleId>{055DB047-988D-4B76-B5DE-9994FB04A2A2}</a:tableStyleId>
               </a:tblPr>
               <a:tblGrid>
                 <a:gridCol w="2057400"/>
@@ -33763,7 +33763,7 @@
             <a:tbl>
               <a:tblPr bandRow="1" firstRow="1">
                 <a:noFill/>
-                <a:tableStyleId>{2D9ED7B8-1553-42D8-BA08-5A00A80777AB}</a:tableStyleId>
+                <a:tableStyleId>{055DB047-988D-4B76-B5DE-9994FB04A2A2}</a:tableStyleId>
               </a:tblPr>
               <a:tblGrid>
                 <a:gridCol w="3124200"/>
@@ -38315,8 +38315,8 @@
         </p:nvSpPr>
         <p:spPr>
           <a:xfrm>
-            <a:off x="0" y="4629152"/>
-            <a:ext cx="9144000" cy="623400"/>
+            <a:off x="0" y="4499377"/>
+            <a:ext cx="9144000" cy="592500"/>
           </a:xfrm>
           <a:prstGeom prst="rect">
             <a:avLst/>
@@ -38351,7 +38351,7 @@
                 <a:cs typeface="Calibri"/>
                 <a:sym typeface="Calibri"/>
               </a:rPr>
-              <a:t>Instructors: William DeMeo, NJIT</a:t>
+              <a:t>Instructor: William DeMeo, NJIT</a:t>
             </a:r>
             <a:endParaRPr sz="1800">
               <a:solidFill>
@@ -38374,7 +38374,7 @@
               <a:buNone/>
             </a:pPr>
             <a:r>
-              <a:rPr lang="en-US" sz="1800">
+              <a:rPr lang="en-US" sz="1600">
                 <a:solidFill>
                   <a:schemeClr val="dk1"/>
                 </a:solidFill>
@@ -38383,9 +38383,9 @@
                 <a:cs typeface="Calibri"/>
                 <a:sym typeface="Calibri"/>
               </a:rPr>
-              <a:t>slides courtesy of: Stuart Russell and Dawn Song (ai.berkeley.edu)</a:t>
+              <a:t>slides courtesy of Stuart Russell and Dawn Song (ai.berkeley.edu)</a:t>
             </a:r>
-            <a:endParaRPr/>
+            <a:endParaRPr sz="1200"/>
           </a:p>
         </p:txBody>
       </p:sp>
